--- a/Documents/힙.pptx
+++ b/Documents/힙.pptx
@@ -622,7 +622,7 @@
           <a:p>
             <a:fld id="{65A9B928-B926-4726-B925-8AA4FF17755D}" type="datetimeFigureOut">
               <a:rPr lang="ko-KR" altLang="en-US" smtClean="0"/>
-              <a:t>2025-09-11</a:t>
+              <a:t>2025-09-12</a:t>
             </a:fld>
             <a:endParaRPr lang="ko-KR" altLang="en-US"/>
           </a:p>
@@ -820,7 +820,7 @@
           <a:p>
             <a:fld id="{65A9B928-B926-4726-B925-8AA4FF17755D}" type="datetimeFigureOut">
               <a:rPr lang="ko-KR" altLang="en-US" smtClean="0"/>
-              <a:t>2025-09-11</a:t>
+              <a:t>2025-09-12</a:t>
             </a:fld>
             <a:endParaRPr lang="ko-KR" altLang="en-US"/>
           </a:p>
@@ -1028,7 +1028,7 @@
           <a:p>
             <a:fld id="{65A9B928-B926-4726-B925-8AA4FF17755D}" type="datetimeFigureOut">
               <a:rPr lang="ko-KR" altLang="en-US" smtClean="0"/>
-              <a:t>2025-09-11</a:t>
+              <a:t>2025-09-12</a:t>
             </a:fld>
             <a:endParaRPr lang="ko-KR" altLang="en-US"/>
           </a:p>
@@ -1226,7 +1226,7 @@
           <a:p>
             <a:fld id="{65A9B928-B926-4726-B925-8AA4FF17755D}" type="datetimeFigureOut">
               <a:rPr lang="ko-KR" altLang="en-US" smtClean="0"/>
-              <a:t>2025-09-11</a:t>
+              <a:t>2025-09-12</a:t>
             </a:fld>
             <a:endParaRPr lang="ko-KR" altLang="en-US"/>
           </a:p>
@@ -1501,7 +1501,7 @@
           <a:p>
             <a:fld id="{65A9B928-B926-4726-B925-8AA4FF17755D}" type="datetimeFigureOut">
               <a:rPr lang="ko-KR" altLang="en-US" smtClean="0"/>
-              <a:t>2025-09-11</a:t>
+              <a:t>2025-09-12</a:t>
             </a:fld>
             <a:endParaRPr lang="ko-KR" altLang="en-US"/>
           </a:p>
@@ -1766,7 +1766,7 @@
           <a:p>
             <a:fld id="{65A9B928-B926-4726-B925-8AA4FF17755D}" type="datetimeFigureOut">
               <a:rPr lang="ko-KR" altLang="en-US" smtClean="0"/>
-              <a:t>2025-09-11</a:t>
+              <a:t>2025-09-12</a:t>
             </a:fld>
             <a:endParaRPr lang="ko-KR" altLang="en-US"/>
           </a:p>
@@ -2178,7 +2178,7 @@
           <a:p>
             <a:fld id="{65A9B928-B926-4726-B925-8AA4FF17755D}" type="datetimeFigureOut">
               <a:rPr lang="ko-KR" altLang="en-US" smtClean="0"/>
-              <a:t>2025-09-11</a:t>
+              <a:t>2025-09-12</a:t>
             </a:fld>
             <a:endParaRPr lang="ko-KR" altLang="en-US"/>
           </a:p>
@@ -2319,7 +2319,7 @@
           <a:p>
             <a:fld id="{65A9B928-B926-4726-B925-8AA4FF17755D}" type="datetimeFigureOut">
               <a:rPr lang="ko-KR" altLang="en-US" smtClean="0"/>
-              <a:t>2025-09-11</a:t>
+              <a:t>2025-09-12</a:t>
             </a:fld>
             <a:endParaRPr lang="ko-KR" altLang="en-US"/>
           </a:p>
@@ -2432,7 +2432,7 @@
           <a:p>
             <a:fld id="{65A9B928-B926-4726-B925-8AA4FF17755D}" type="datetimeFigureOut">
               <a:rPr lang="ko-KR" altLang="en-US" smtClean="0"/>
-              <a:t>2025-09-11</a:t>
+              <a:t>2025-09-12</a:t>
             </a:fld>
             <a:endParaRPr lang="ko-KR" altLang="en-US"/>
           </a:p>
@@ -2743,7 +2743,7 @@
           <a:p>
             <a:fld id="{65A9B928-B926-4726-B925-8AA4FF17755D}" type="datetimeFigureOut">
               <a:rPr lang="ko-KR" altLang="en-US" smtClean="0"/>
-              <a:t>2025-09-11</a:t>
+              <a:t>2025-09-12</a:t>
             </a:fld>
             <a:endParaRPr lang="ko-KR" altLang="en-US"/>
           </a:p>
@@ -3031,7 +3031,7 @@
           <a:p>
             <a:fld id="{65A9B928-B926-4726-B925-8AA4FF17755D}" type="datetimeFigureOut">
               <a:rPr lang="ko-KR" altLang="en-US" smtClean="0"/>
-              <a:t>2025-09-11</a:t>
+              <a:t>2025-09-12</a:t>
             </a:fld>
             <a:endParaRPr lang="ko-KR" altLang="en-US"/>
           </a:p>
@@ -3272,7 +3272,7 @@
           <a:p>
             <a:fld id="{65A9B928-B926-4726-B925-8AA4FF17755D}" type="datetimeFigureOut">
               <a:rPr lang="ko-KR" altLang="en-US" smtClean="0"/>
-              <a:t>2025-09-11</a:t>
+              <a:t>2025-09-12</a:t>
             </a:fld>
             <a:endParaRPr lang="ko-KR" altLang="en-US"/>
           </a:p>
@@ -4454,7 +4454,7 @@
         <p:spPr>
           <a:xfrm>
             <a:off x="735669" y="2404074"/>
-            <a:ext cx="4421788" cy="2585323"/>
+            <a:ext cx="7022692" cy="2585323"/>
           </a:xfrm>
           <a:prstGeom prst="rect">
             <a:avLst/>
@@ -4468,15 +4468,20 @@
           <a:p>
             <a:r>
               <a:rPr lang="ko-KR" altLang="en-US" dirty="0"/>
-              <a:t>스택 수열</a:t>
-            </a:r>
-          </a:p>
-          <a:p>
-            <a:r>
-              <a:rPr lang="ko-KR" altLang="en-US" dirty="0">
+              <a:t>최대 </a:t>
+            </a:r>
+            <a:r>
+              <a:rPr lang="ko-KR" altLang="en-US" dirty="0" err="1"/>
+              <a:t>힙</a:t>
+            </a:r>
+            <a:endParaRPr lang="ko-KR" altLang="en-US" dirty="0"/>
+          </a:p>
+          <a:p>
+            <a:r>
+              <a:rPr lang="en-US" altLang="ko-KR" dirty="0">
                 <a:hlinkClick r:id="rId2"/>
               </a:rPr>
-              <a:t>https://www.acmicpc.net/problem/1874</a:t>
+              <a:t>https://www.acmicpc.net/problem/11279</a:t>
             </a:r>
             <a:endParaRPr lang="en-US" altLang="ko-KR" dirty="0"/>
           </a:p>
@@ -4485,12 +4490,8 @@
           </a:p>
           <a:p>
             <a:r>
-              <a:rPr lang="ko-KR" altLang="en-US" dirty="0" err="1"/>
-              <a:t>오큰수</a:t>
-            </a:r>
-            <a:r>
-              <a:rPr lang="ko-KR" altLang="en-US" dirty="0"/>
-              <a:t> 구하기</a:t>
+              <a:rPr lang="ko-KR" altLang="en-US" dirty="0"/>
+              <a:t>디스크 컨트롤러</a:t>
             </a:r>
             <a:endParaRPr lang="en-US" altLang="ko-KR" dirty="0"/>
           </a:p>
@@ -4499,7 +4500,7 @@
               <a:rPr lang="en-US" altLang="ko-KR" dirty="0">
                 <a:hlinkClick r:id="rId3"/>
               </a:rPr>
-              <a:t>https://www.acmicpc.net/problem/17298</a:t>
+              <a:t>https://school.programmers.co.kr/learn/courses/30/lessons/42627</a:t>
             </a:r>
             <a:endParaRPr lang="en-US" altLang="ko-KR" dirty="0"/>
           </a:p>
